--- a/Eksamen powerpoint.pptx
+++ b/Eksamen powerpoint.pptx
@@ -170,7 +170,7 @@
           <a:noFill/>
           <a:extLst>
             <a:ext uri="{909E8E84-426E-40dd-AFC4-6F175D3DCCD1}">
-              <a14:hiddenFill xmlns:a14="http://schemas.microsoft.com/office/drawing/2010/main" xmlns="">
+              <a14:hiddenFill xmlns="" xmlns:a14="http://schemas.microsoft.com/office/drawing/2010/main">
                 <a:solidFill>
                   <a:srgbClr val="FFFFFF"/>
                 </a:solidFill>
@@ -230,7 +230,7 @@
             </a:ln>
             <a:extLst>
               <a:ext uri="{91240B29-F687-4f45-9708-019B960494DF}">
-                <a14:hiddenLine xmlns:a14="http://schemas.microsoft.com/office/drawing/2010/main" xmlns="" w="9525">
+                <a14:hiddenLine xmlns="" xmlns:a14="http://schemas.microsoft.com/office/drawing/2010/main" w="9525">
                   <a:solidFill>
                     <a:srgbClr val="000000"/>
                   </a:solidFill>
@@ -320,7 +320,7 @@
             </a:ln>
             <a:extLst>
               <a:ext uri="{91240B29-F687-4f45-9708-019B960494DF}">
-                <a14:hiddenLine xmlns:a14="http://schemas.microsoft.com/office/drawing/2010/main" xmlns="" w="9525">
+                <a14:hiddenLine xmlns="" xmlns:a14="http://schemas.microsoft.com/office/drawing/2010/main" w="9525">
                   <a:solidFill>
                     <a:srgbClr val="000000"/>
                   </a:solidFill>
@@ -410,7 +410,7 @@
             </a:ln>
             <a:extLst>
               <a:ext uri="{91240B29-F687-4f45-9708-019B960494DF}">
-                <a14:hiddenLine xmlns:a14="http://schemas.microsoft.com/office/drawing/2010/main" xmlns="" w="9525">
+                <a14:hiddenLine xmlns="" xmlns:a14="http://schemas.microsoft.com/office/drawing/2010/main" w="9525">
                   <a:solidFill>
                     <a:srgbClr val="000000"/>
                   </a:solidFill>
@@ -444,7 +444,7 @@
             </a:ln>
             <a:extLst>
               <a:ext uri="{91240B29-F687-4f45-9708-019B960494DF}">
-                <a14:hiddenLine xmlns:a14="http://schemas.microsoft.com/office/drawing/2010/main" xmlns="" w="9525">
+                <a14:hiddenLine xmlns="" xmlns:a14="http://schemas.microsoft.com/office/drawing/2010/main" w="9525">
                   <a:solidFill>
                     <a:srgbClr val="000000"/>
                   </a:solidFill>
@@ -534,7 +534,7 @@
             </a:ln>
             <a:extLst>
               <a:ext uri="{91240B29-F687-4f45-9708-019B960494DF}">
-                <a14:hiddenLine xmlns:a14="http://schemas.microsoft.com/office/drawing/2010/main" xmlns="" w="9525">
+                <a14:hiddenLine xmlns="" xmlns:a14="http://schemas.microsoft.com/office/drawing/2010/main" w="9525">
                   <a:solidFill>
                     <a:srgbClr val="000000"/>
                   </a:solidFill>
@@ -596,7 +596,7 @@
             </a:ln>
             <a:extLst>
               <a:ext uri="{91240B29-F687-4f45-9708-019B960494DF}">
-                <a14:hiddenLine xmlns:a14="http://schemas.microsoft.com/office/drawing/2010/main" xmlns="" w="9525">
+                <a14:hiddenLine xmlns="" xmlns:a14="http://schemas.microsoft.com/office/drawing/2010/main" w="9525">
                   <a:solidFill>
                     <a:srgbClr val="000000"/>
                   </a:solidFill>
@@ -658,7 +658,7 @@
             </a:ln>
             <a:extLst>
               <a:ext uri="{91240B29-F687-4f45-9708-019B960494DF}">
-                <a14:hiddenLine xmlns:a14="http://schemas.microsoft.com/office/drawing/2010/main" xmlns="" w="9525">
+                <a14:hiddenLine xmlns="" xmlns:a14="http://schemas.microsoft.com/office/drawing/2010/main" w="9525">
                   <a:solidFill>
                     <a:srgbClr val="000000"/>
                   </a:solidFill>
@@ -748,7 +748,7 @@
             </a:ln>
             <a:extLst>
               <a:ext uri="{91240B29-F687-4f45-9708-019B960494DF}">
-                <a14:hiddenLine xmlns:a14="http://schemas.microsoft.com/office/drawing/2010/main" xmlns="" w="9525">
+                <a14:hiddenLine xmlns="" xmlns:a14="http://schemas.microsoft.com/office/drawing/2010/main" w="9525">
                   <a:solidFill>
                     <a:srgbClr val="000000"/>
                   </a:solidFill>
@@ -810,7 +810,7 @@
             </a:ln>
             <a:extLst>
               <a:ext uri="{91240B29-F687-4f45-9708-019B960494DF}">
-                <a14:hiddenLine xmlns:a14="http://schemas.microsoft.com/office/drawing/2010/main" xmlns="" w="9525">
+                <a14:hiddenLine xmlns="" xmlns:a14="http://schemas.microsoft.com/office/drawing/2010/main" w="9525">
                   <a:solidFill>
                     <a:srgbClr val="000000"/>
                   </a:solidFill>
@@ -872,7 +872,7 @@
             </a:ln>
             <a:extLst>
               <a:ext uri="{91240B29-F687-4f45-9708-019B960494DF}">
-                <a14:hiddenLine xmlns:a14="http://schemas.microsoft.com/office/drawing/2010/main" xmlns="" w="9525">
+                <a14:hiddenLine xmlns="" xmlns:a14="http://schemas.microsoft.com/office/drawing/2010/main" w="9525">
                   <a:solidFill>
                     <a:srgbClr val="000000"/>
                   </a:solidFill>
@@ -962,7 +962,7 @@
             </a:ln>
             <a:extLst>
               <a:ext uri="{91240B29-F687-4f45-9708-019B960494DF}">
-                <a14:hiddenLine xmlns:a14="http://schemas.microsoft.com/office/drawing/2010/main" xmlns="" w="9525">
+                <a14:hiddenLine xmlns="" xmlns:a14="http://schemas.microsoft.com/office/drawing/2010/main" w="9525">
                   <a:solidFill>
                     <a:srgbClr val="000000"/>
                   </a:solidFill>
@@ -1052,7 +1052,7 @@
             </a:ln>
             <a:extLst>
               <a:ext uri="{91240B29-F687-4f45-9708-019B960494DF}">
-                <a14:hiddenLine xmlns:a14="http://schemas.microsoft.com/office/drawing/2010/main" xmlns="" w="9525">
+                <a14:hiddenLine xmlns="" xmlns:a14="http://schemas.microsoft.com/office/drawing/2010/main" w="9525">
                   <a:solidFill>
                     <a:srgbClr val="000000"/>
                   </a:solidFill>
@@ -1114,7 +1114,7 @@
             </a:ln>
             <a:extLst>
               <a:ext uri="{91240B29-F687-4f45-9708-019B960494DF}">
-                <a14:hiddenLine xmlns:a14="http://schemas.microsoft.com/office/drawing/2010/main" xmlns="" w="9525">
+                <a14:hiddenLine xmlns="" xmlns:a14="http://schemas.microsoft.com/office/drawing/2010/main" w="9525">
                   <a:solidFill>
                     <a:srgbClr val="000000"/>
                   </a:solidFill>
@@ -1224,7 +1224,7 @@
             </a:ln>
             <a:extLst>
               <a:ext uri="{91240B29-F687-4f45-9708-019B960494DF}">
-                <a14:hiddenLine xmlns:a14="http://schemas.microsoft.com/office/drawing/2010/main" xmlns="" w="9525">
+                <a14:hiddenLine xmlns="" xmlns:a14="http://schemas.microsoft.com/office/drawing/2010/main" w="9525">
                   <a:solidFill>
                     <a:srgbClr val="000000"/>
                   </a:solidFill>
@@ -1286,7 +1286,7 @@
             </a:ln>
             <a:extLst>
               <a:ext uri="{91240B29-F687-4f45-9708-019B960494DF}">
-                <a14:hiddenLine xmlns:a14="http://schemas.microsoft.com/office/drawing/2010/main" xmlns="" w="9525">
+                <a14:hiddenLine xmlns="" xmlns:a14="http://schemas.microsoft.com/office/drawing/2010/main" w="9525">
                   <a:solidFill>
                     <a:srgbClr val="000000"/>
                   </a:solidFill>
@@ -1376,7 +1376,7 @@
             </a:ln>
             <a:extLst>
               <a:ext uri="{91240B29-F687-4f45-9708-019B960494DF}">
-                <a14:hiddenLine xmlns:a14="http://schemas.microsoft.com/office/drawing/2010/main" xmlns="" w="9525">
+                <a14:hiddenLine xmlns="" xmlns:a14="http://schemas.microsoft.com/office/drawing/2010/main" w="9525">
                   <a:solidFill>
                     <a:srgbClr val="000000"/>
                   </a:solidFill>
@@ -1466,7 +1466,7 @@
             </a:ln>
             <a:extLst>
               <a:ext uri="{91240B29-F687-4f45-9708-019B960494DF}">
-                <a14:hiddenLine xmlns:a14="http://schemas.microsoft.com/office/drawing/2010/main" xmlns="" w="9525">
+                <a14:hiddenLine xmlns="" xmlns:a14="http://schemas.microsoft.com/office/drawing/2010/main" w="9525">
                   <a:solidFill>
                     <a:srgbClr val="000000"/>
                   </a:solidFill>
@@ -1528,7 +1528,7 @@
             </a:ln>
             <a:extLst>
               <a:ext uri="{91240B29-F687-4f45-9708-019B960494DF}">
-                <a14:hiddenLine xmlns:a14="http://schemas.microsoft.com/office/drawing/2010/main" xmlns="" w="9525">
+                <a14:hiddenLine xmlns="" xmlns:a14="http://schemas.microsoft.com/office/drawing/2010/main" w="9525">
                   <a:solidFill>
                     <a:srgbClr val="000000"/>
                   </a:solidFill>
@@ -1618,7 +1618,7 @@
             </a:ln>
             <a:extLst>
               <a:ext uri="{91240B29-F687-4f45-9708-019B960494DF}">
-                <a14:hiddenLine xmlns:a14="http://schemas.microsoft.com/office/drawing/2010/main" xmlns="" w="9525">
+                <a14:hiddenLine xmlns="" xmlns:a14="http://schemas.microsoft.com/office/drawing/2010/main" w="9525">
                   <a:solidFill>
                     <a:srgbClr val="000000"/>
                   </a:solidFill>
@@ -1708,7 +1708,7 @@
             </a:ln>
             <a:extLst>
               <a:ext uri="{91240B29-F687-4f45-9708-019B960494DF}">
-                <a14:hiddenLine xmlns:a14="http://schemas.microsoft.com/office/drawing/2010/main" xmlns="" w="9525">
+                <a14:hiddenLine xmlns="" xmlns:a14="http://schemas.microsoft.com/office/drawing/2010/main" w="9525">
                   <a:solidFill>
                     <a:srgbClr val="000000"/>
                   </a:solidFill>
@@ -1764,7 +1764,7 @@
             </a:ln>
             <a:extLst>
               <a:ext uri="{91240B29-F687-4f45-9708-019B960494DF}">
-                <a14:hiddenLine xmlns:a14="http://schemas.microsoft.com/office/drawing/2010/main" xmlns="" w="9525">
+                <a14:hiddenLine xmlns="" xmlns:a14="http://schemas.microsoft.com/office/drawing/2010/main" w="9525">
                   <a:solidFill>
                     <a:srgbClr val="000000"/>
                   </a:solidFill>
@@ -1854,7 +1854,7 @@
             </a:ln>
             <a:extLst>
               <a:ext uri="{91240B29-F687-4f45-9708-019B960494DF}">
-                <a14:hiddenLine xmlns:a14="http://schemas.microsoft.com/office/drawing/2010/main" xmlns="" w="9525">
+                <a14:hiddenLine xmlns="" xmlns:a14="http://schemas.microsoft.com/office/drawing/2010/main" w="9525">
                   <a:solidFill>
                     <a:srgbClr val="000000"/>
                   </a:solidFill>
@@ -1910,7 +1910,7 @@
             </a:ln>
             <a:extLst>
               <a:ext uri="{91240B29-F687-4f45-9708-019B960494DF}">
-                <a14:hiddenLine xmlns:a14="http://schemas.microsoft.com/office/drawing/2010/main" xmlns="" w="9525">
+                <a14:hiddenLine xmlns="" xmlns:a14="http://schemas.microsoft.com/office/drawing/2010/main" w="9525">
                   <a:solidFill>
                     <a:srgbClr val="000000"/>
                   </a:solidFill>
@@ -2000,7 +2000,7 @@
             </a:ln>
             <a:extLst>
               <a:ext uri="{91240B29-F687-4f45-9708-019B960494DF}">
-                <a14:hiddenLine xmlns:a14="http://schemas.microsoft.com/office/drawing/2010/main" xmlns="" w="9525">
+                <a14:hiddenLine xmlns="" xmlns:a14="http://schemas.microsoft.com/office/drawing/2010/main" w="9525">
                   <a:solidFill>
                     <a:srgbClr val="000000"/>
                   </a:solidFill>
@@ -2068,7 +2068,7 @@
             </a:ln>
             <a:extLst>
               <a:ext uri="{91240B29-F687-4f45-9708-019B960494DF}">
-                <a14:hiddenLine xmlns:a14="http://schemas.microsoft.com/office/drawing/2010/main" xmlns="" w="9525">
+                <a14:hiddenLine xmlns="" xmlns:a14="http://schemas.microsoft.com/office/drawing/2010/main" w="9525">
                   <a:solidFill>
                     <a:srgbClr val="000000"/>
                   </a:solidFill>
@@ -2158,7 +2158,7 @@
             </a:ln>
             <a:extLst>
               <a:ext uri="{91240B29-F687-4f45-9708-019B960494DF}">
-                <a14:hiddenLine xmlns:a14="http://schemas.microsoft.com/office/drawing/2010/main" xmlns="" w="9525">
+                <a14:hiddenLine xmlns="" xmlns:a14="http://schemas.microsoft.com/office/drawing/2010/main" w="9525">
                   <a:solidFill>
                     <a:srgbClr val="000000"/>
                   </a:solidFill>
@@ -2226,7 +2226,7 @@
             </a:ln>
             <a:extLst>
               <a:ext uri="{91240B29-F687-4f45-9708-019B960494DF}">
-                <a14:hiddenLine xmlns:a14="http://schemas.microsoft.com/office/drawing/2010/main" xmlns="" w="9525">
+                <a14:hiddenLine xmlns="" xmlns:a14="http://schemas.microsoft.com/office/drawing/2010/main" w="9525">
                   <a:solidFill>
                     <a:srgbClr val="000000"/>
                   </a:solidFill>
@@ -2316,7 +2316,7 @@
             </a:ln>
             <a:extLst>
               <a:ext uri="{91240B29-F687-4f45-9708-019B960494DF}">
-                <a14:hiddenLine xmlns:a14="http://schemas.microsoft.com/office/drawing/2010/main" xmlns="" w="9525">
+                <a14:hiddenLine xmlns="" xmlns:a14="http://schemas.microsoft.com/office/drawing/2010/main" w="9525">
                   <a:solidFill>
                     <a:srgbClr val="000000"/>
                   </a:solidFill>
@@ -2350,7 +2350,7 @@
             </a:ln>
             <a:extLst>
               <a:ext uri="{91240B29-F687-4f45-9708-019B960494DF}">
-                <a14:hiddenLine xmlns:a14="http://schemas.microsoft.com/office/drawing/2010/main" xmlns="" w="9525">
+                <a14:hiddenLine xmlns="" xmlns:a14="http://schemas.microsoft.com/office/drawing/2010/main" w="9525">
                   <a:solidFill>
                     <a:srgbClr val="000000"/>
                   </a:solidFill>
@@ -2440,7 +2440,7 @@
             </a:ln>
             <a:extLst>
               <a:ext uri="{91240B29-F687-4f45-9708-019B960494DF}">
-                <a14:hiddenLine xmlns:a14="http://schemas.microsoft.com/office/drawing/2010/main" xmlns="" w="9525">
+                <a14:hiddenLine xmlns="" xmlns:a14="http://schemas.microsoft.com/office/drawing/2010/main" w="9525">
                   <a:solidFill>
                     <a:srgbClr val="000000"/>
                   </a:solidFill>
@@ -2502,7 +2502,7 @@
             </a:ln>
             <a:extLst>
               <a:ext uri="{91240B29-F687-4f45-9708-019B960494DF}">
-                <a14:hiddenLine xmlns:a14="http://schemas.microsoft.com/office/drawing/2010/main" xmlns="" w="9525">
+                <a14:hiddenLine xmlns="" xmlns:a14="http://schemas.microsoft.com/office/drawing/2010/main" w="9525">
                   <a:solidFill>
                     <a:srgbClr val="000000"/>
                   </a:solidFill>
@@ -2564,7 +2564,7 @@
             </a:ln>
             <a:extLst>
               <a:ext uri="{91240B29-F687-4f45-9708-019B960494DF}">
-                <a14:hiddenLine xmlns:a14="http://schemas.microsoft.com/office/drawing/2010/main" xmlns="" w="9525">
+                <a14:hiddenLine xmlns="" xmlns:a14="http://schemas.microsoft.com/office/drawing/2010/main" w="9525">
                   <a:solidFill>
                     <a:srgbClr val="000000"/>
                   </a:solidFill>
@@ -2654,7 +2654,7 @@
             </a:ln>
             <a:extLst>
               <a:ext uri="{91240B29-F687-4f45-9708-019B960494DF}">
-                <a14:hiddenLine xmlns:a14="http://schemas.microsoft.com/office/drawing/2010/main" xmlns="" w="9525">
+                <a14:hiddenLine xmlns="" xmlns:a14="http://schemas.microsoft.com/office/drawing/2010/main" w="9525">
                   <a:solidFill>
                     <a:srgbClr val="000000"/>
                   </a:solidFill>
@@ -2722,7 +2722,7 @@
             </a:ln>
             <a:extLst>
               <a:ext uri="{91240B29-F687-4f45-9708-019B960494DF}">
-                <a14:hiddenLine xmlns:a14="http://schemas.microsoft.com/office/drawing/2010/main" xmlns="" w="9525">
+                <a14:hiddenLine xmlns="" xmlns:a14="http://schemas.microsoft.com/office/drawing/2010/main" w="9525">
                   <a:solidFill>
                     <a:srgbClr val="000000"/>
                   </a:solidFill>
@@ -2784,7 +2784,7 @@
             </a:ln>
             <a:extLst>
               <a:ext uri="{91240B29-F687-4f45-9708-019B960494DF}">
-                <a14:hiddenLine xmlns:a14="http://schemas.microsoft.com/office/drawing/2010/main" xmlns="" w="9525">
+                <a14:hiddenLine xmlns="" xmlns:a14="http://schemas.microsoft.com/office/drawing/2010/main" w="9525">
                   <a:solidFill>
                     <a:srgbClr val="000000"/>
                   </a:solidFill>
@@ -2874,7 +2874,7 @@
             </a:ln>
             <a:extLst>
               <a:ext uri="{91240B29-F687-4f45-9708-019B960494DF}">
-                <a14:hiddenLine xmlns:a14="http://schemas.microsoft.com/office/drawing/2010/main" xmlns="" w="9525">
+                <a14:hiddenLine xmlns="" xmlns:a14="http://schemas.microsoft.com/office/drawing/2010/main" w="9525">
                   <a:solidFill>
                     <a:srgbClr val="000000"/>
                   </a:solidFill>
@@ -2936,7 +2936,7 @@
             </a:ln>
             <a:extLst>
               <a:ext uri="{91240B29-F687-4f45-9708-019B960494DF}">
-                <a14:hiddenLine xmlns:a14="http://schemas.microsoft.com/office/drawing/2010/main" xmlns="" w="9525">
+                <a14:hiddenLine xmlns="" xmlns:a14="http://schemas.microsoft.com/office/drawing/2010/main" w="9525">
                   <a:solidFill>
                     <a:srgbClr val="000000"/>
                   </a:solidFill>
@@ -3026,7 +3026,7 @@
             </a:ln>
             <a:extLst>
               <a:ext uri="{91240B29-F687-4f45-9708-019B960494DF}">
-                <a14:hiddenLine xmlns:a14="http://schemas.microsoft.com/office/drawing/2010/main" xmlns="" w="9525">
+                <a14:hiddenLine xmlns="" xmlns:a14="http://schemas.microsoft.com/office/drawing/2010/main" w="9525">
                   <a:solidFill>
                     <a:srgbClr val="000000"/>
                   </a:solidFill>
@@ -3088,7 +3088,7 @@
             </a:ln>
             <a:extLst>
               <a:ext uri="{91240B29-F687-4f45-9708-019B960494DF}">
-                <a14:hiddenLine xmlns:a14="http://schemas.microsoft.com/office/drawing/2010/main" xmlns="" w="9525">
+                <a14:hiddenLine xmlns="" xmlns:a14="http://schemas.microsoft.com/office/drawing/2010/main" w="9525">
                   <a:solidFill>
                     <a:srgbClr val="000000"/>
                   </a:solidFill>
@@ -3178,7 +3178,7 @@
             </a:ln>
             <a:extLst>
               <a:ext uri="{91240B29-F687-4f45-9708-019B960494DF}">
-                <a14:hiddenLine xmlns:a14="http://schemas.microsoft.com/office/drawing/2010/main" xmlns="" w="9525">
+                <a14:hiddenLine xmlns="" xmlns:a14="http://schemas.microsoft.com/office/drawing/2010/main" w="9525">
                   <a:solidFill>
                     <a:srgbClr val="000000"/>
                   </a:solidFill>
@@ -3212,7 +3212,7 @@
             </a:ln>
             <a:extLst>
               <a:ext uri="{91240B29-F687-4f45-9708-019B960494DF}">
-                <a14:hiddenLine xmlns:a14="http://schemas.microsoft.com/office/drawing/2010/main" xmlns="" w="9525">
+                <a14:hiddenLine xmlns="" xmlns:a14="http://schemas.microsoft.com/office/drawing/2010/main" w="9525">
                   <a:solidFill>
                     <a:srgbClr val="000000"/>
                   </a:solidFill>
@@ -3277,7 +3277,7 @@
             </a:ln>
             <a:extLst>
               <a:ext uri="{91240B29-F687-4f45-9708-019B960494DF}">
-                <a14:hiddenLine xmlns:a14="http://schemas.microsoft.com/office/drawing/2010/main" xmlns="" w="9525">
+                <a14:hiddenLine xmlns="" xmlns:a14="http://schemas.microsoft.com/office/drawing/2010/main" w="9525">
                   <a:solidFill>
                     <a:srgbClr val="000000"/>
                   </a:solidFill>
@@ -3367,7 +3367,7 @@
             </a:ln>
             <a:extLst>
               <a:ext uri="{91240B29-F687-4f45-9708-019B960494DF}">
-                <a14:hiddenLine xmlns:a14="http://schemas.microsoft.com/office/drawing/2010/main" xmlns="" w="9525">
+                <a14:hiddenLine xmlns="" xmlns:a14="http://schemas.microsoft.com/office/drawing/2010/main" w="9525">
                   <a:solidFill>
                     <a:srgbClr val="000000"/>
                   </a:solidFill>
@@ -3429,7 +3429,7 @@
             </a:ln>
             <a:extLst>
               <a:ext uri="{91240B29-F687-4f45-9708-019B960494DF}">
-                <a14:hiddenLine xmlns:a14="http://schemas.microsoft.com/office/drawing/2010/main" xmlns="" w="9525">
+                <a14:hiddenLine xmlns="" xmlns:a14="http://schemas.microsoft.com/office/drawing/2010/main" w="9525">
                   <a:solidFill>
                     <a:srgbClr val="000000"/>
                   </a:solidFill>
@@ -3519,7 +3519,7 @@
             </a:ln>
             <a:extLst>
               <a:ext uri="{91240B29-F687-4f45-9708-019B960494DF}">
-                <a14:hiddenLine xmlns:a14="http://schemas.microsoft.com/office/drawing/2010/main" xmlns="" w="9525">
+                <a14:hiddenLine xmlns="" xmlns:a14="http://schemas.microsoft.com/office/drawing/2010/main" w="9525">
                   <a:solidFill>
                     <a:srgbClr val="000000"/>
                   </a:solidFill>
@@ -3609,7 +3609,7 @@
             </a:ln>
             <a:extLst>
               <a:ext uri="{91240B29-F687-4f45-9708-019B960494DF}">
-                <a14:hiddenLine xmlns:a14="http://schemas.microsoft.com/office/drawing/2010/main" xmlns="" w="9525">
+                <a14:hiddenLine xmlns="" xmlns:a14="http://schemas.microsoft.com/office/drawing/2010/main" w="9525">
                   <a:solidFill>
                     <a:srgbClr val="000000"/>
                   </a:solidFill>
@@ -3674,7 +3674,7 @@
             </a:ln>
             <a:extLst>
               <a:ext uri="{91240B29-F687-4f45-9708-019B960494DF}">
-                <a14:hiddenLine xmlns:a14="http://schemas.microsoft.com/office/drawing/2010/main" xmlns="" w="9525">
+                <a14:hiddenLine xmlns="" xmlns:a14="http://schemas.microsoft.com/office/drawing/2010/main" w="9525">
                   <a:solidFill>
                     <a:srgbClr val="000000"/>
                   </a:solidFill>
@@ -3736,7 +3736,7 @@
             </a:ln>
             <a:extLst>
               <a:ext uri="{91240B29-F687-4f45-9708-019B960494DF}">
-                <a14:hiddenLine xmlns:a14="http://schemas.microsoft.com/office/drawing/2010/main" xmlns="" w="9525">
+                <a14:hiddenLine xmlns="" xmlns:a14="http://schemas.microsoft.com/office/drawing/2010/main" w="9525">
                   <a:solidFill>
                     <a:srgbClr val="000000"/>
                   </a:solidFill>
@@ -3826,7 +3826,7 @@
             </a:ln>
             <a:extLst>
               <a:ext uri="{91240B29-F687-4f45-9708-019B960494DF}">
-                <a14:hiddenLine xmlns:a14="http://schemas.microsoft.com/office/drawing/2010/main" xmlns="" w="9525">
+                <a14:hiddenLine xmlns="" xmlns:a14="http://schemas.microsoft.com/office/drawing/2010/main" w="9525">
                   <a:solidFill>
                     <a:srgbClr val="000000"/>
                   </a:solidFill>
@@ -3916,7 +3916,7 @@
             </a:ln>
             <a:extLst>
               <a:ext uri="{91240B29-F687-4f45-9708-019B960494DF}">
-                <a14:hiddenLine xmlns:a14="http://schemas.microsoft.com/office/drawing/2010/main" xmlns="" w="9525">
+                <a14:hiddenLine xmlns="" xmlns:a14="http://schemas.microsoft.com/office/drawing/2010/main" w="9525">
                   <a:solidFill>
                     <a:srgbClr val="000000"/>
                   </a:solidFill>
@@ -3978,7 +3978,7 @@
             </a:ln>
             <a:extLst>
               <a:ext uri="{91240B29-F687-4f45-9708-019B960494DF}">
-                <a14:hiddenLine xmlns:a14="http://schemas.microsoft.com/office/drawing/2010/main" xmlns="" w="9525">
+                <a14:hiddenLine xmlns="" xmlns:a14="http://schemas.microsoft.com/office/drawing/2010/main" w="9525">
                   <a:solidFill>
                     <a:srgbClr val="000000"/>
                   </a:solidFill>
@@ -4098,7 +4098,7 @@
             </a:ln>
             <a:extLst>
               <a:ext uri="{91240B29-F687-4f45-9708-019B960494DF}">
-                <a14:hiddenLine xmlns:a14="http://schemas.microsoft.com/office/drawing/2010/main" xmlns="" w="9525">
+                <a14:hiddenLine xmlns="" xmlns:a14="http://schemas.microsoft.com/office/drawing/2010/main" w="9525">
                   <a:solidFill>
                     <a:srgbClr val="000000"/>
                   </a:solidFill>
@@ -4166,7 +4166,7 @@
             </a:ln>
             <a:extLst>
               <a:ext uri="{91240B29-F687-4f45-9708-019B960494DF}">
-                <a14:hiddenLine xmlns:a14="http://schemas.microsoft.com/office/drawing/2010/main" xmlns="" w="9525">
+                <a14:hiddenLine xmlns="" xmlns:a14="http://schemas.microsoft.com/office/drawing/2010/main" w="9525">
                   <a:solidFill>
                     <a:srgbClr val="000000"/>
                   </a:solidFill>
@@ -4256,7 +4256,7 @@
             </a:ln>
             <a:extLst>
               <a:ext uri="{91240B29-F687-4f45-9708-019B960494DF}">
-                <a14:hiddenLine xmlns:a14="http://schemas.microsoft.com/office/drawing/2010/main" xmlns="" w="9525">
+                <a14:hiddenLine xmlns="" xmlns:a14="http://schemas.microsoft.com/office/drawing/2010/main" w="9525">
                   <a:solidFill>
                     <a:srgbClr val="000000"/>
                   </a:solidFill>
@@ -9063,7 +9063,7 @@
           <a:noFill/>
           <a:extLst>
             <a:ext uri="{909E8E84-426E-40dd-AFC4-6F175D3DCCD1}">
-              <a14:hiddenFill xmlns:a14="http://schemas.microsoft.com/office/drawing/2010/main" xmlns="">
+              <a14:hiddenFill xmlns="" xmlns:a14="http://schemas.microsoft.com/office/drawing/2010/main">
                 <a:solidFill>
                   <a:srgbClr val="FFFFFF"/>
                 </a:solidFill>
@@ -9137,7 +9137,7 @@
               </a:ln>
               <a:extLst>
                 <a:ext uri="{91240B29-F687-4f45-9708-019B960494DF}">
-                  <a14:hiddenLine xmlns:a14="http://schemas.microsoft.com/office/drawing/2010/main" xmlns="" w="9525">
+                  <a14:hiddenLine xmlns="" xmlns:a14="http://schemas.microsoft.com/office/drawing/2010/main" w="9525">
                     <a:solidFill>
                       <a:srgbClr val="000000"/>
                     </a:solidFill>
@@ -9227,7 +9227,7 @@
               </a:ln>
               <a:extLst>
                 <a:ext uri="{91240B29-F687-4f45-9708-019B960494DF}">
-                  <a14:hiddenLine xmlns:a14="http://schemas.microsoft.com/office/drawing/2010/main" xmlns="" w="9525">
+                  <a14:hiddenLine xmlns="" xmlns:a14="http://schemas.microsoft.com/office/drawing/2010/main" w="9525">
                     <a:solidFill>
                       <a:srgbClr val="000000"/>
                     </a:solidFill>
@@ -9317,7 +9317,7 @@
               </a:ln>
               <a:extLst>
                 <a:ext uri="{91240B29-F687-4f45-9708-019B960494DF}">
-                  <a14:hiddenLine xmlns:a14="http://schemas.microsoft.com/office/drawing/2010/main" xmlns="" w="9525">
+                  <a14:hiddenLine xmlns="" xmlns:a14="http://schemas.microsoft.com/office/drawing/2010/main" w="9525">
                     <a:solidFill>
                       <a:srgbClr val="000000"/>
                     </a:solidFill>
@@ -9379,7 +9379,7 @@
               </a:ln>
               <a:extLst>
                 <a:ext uri="{91240B29-F687-4f45-9708-019B960494DF}">
-                  <a14:hiddenLine xmlns:a14="http://schemas.microsoft.com/office/drawing/2010/main" xmlns="" w="9525">
+                  <a14:hiddenLine xmlns="" xmlns:a14="http://schemas.microsoft.com/office/drawing/2010/main" w="9525">
                     <a:solidFill>
                       <a:srgbClr val="000000"/>
                     </a:solidFill>
@@ -9469,7 +9469,7 @@
               </a:ln>
               <a:extLst>
                 <a:ext uri="{91240B29-F687-4f45-9708-019B960494DF}">
-                  <a14:hiddenLine xmlns:a14="http://schemas.microsoft.com/office/drawing/2010/main" xmlns="" w="9525">
+                  <a14:hiddenLine xmlns="" xmlns:a14="http://schemas.microsoft.com/office/drawing/2010/main" w="9525">
                     <a:solidFill>
                       <a:srgbClr val="000000"/>
                     </a:solidFill>
@@ -9531,7 +9531,7 @@
               </a:ln>
               <a:extLst>
                 <a:ext uri="{91240B29-F687-4f45-9708-019B960494DF}">
-                  <a14:hiddenLine xmlns:a14="http://schemas.microsoft.com/office/drawing/2010/main" xmlns="" w="9525">
+                  <a14:hiddenLine xmlns="" xmlns:a14="http://schemas.microsoft.com/office/drawing/2010/main" w="9525">
                     <a:solidFill>
                       <a:srgbClr val="000000"/>
                     </a:solidFill>
@@ -9593,7 +9593,7 @@
               </a:ln>
               <a:extLst>
                 <a:ext uri="{91240B29-F687-4f45-9708-019B960494DF}">
-                  <a14:hiddenLine xmlns:a14="http://schemas.microsoft.com/office/drawing/2010/main" xmlns="" w="9525">
+                  <a14:hiddenLine xmlns="" xmlns:a14="http://schemas.microsoft.com/office/drawing/2010/main" w="9525">
                     <a:solidFill>
                       <a:srgbClr val="000000"/>
                     </a:solidFill>
@@ -9683,7 +9683,7 @@
               </a:ln>
               <a:extLst>
                 <a:ext uri="{91240B29-F687-4f45-9708-019B960494DF}">
-                  <a14:hiddenLine xmlns:a14="http://schemas.microsoft.com/office/drawing/2010/main" xmlns="" w="9525">
+                  <a14:hiddenLine xmlns="" xmlns:a14="http://schemas.microsoft.com/office/drawing/2010/main" w="9525">
                     <a:solidFill>
                       <a:srgbClr val="000000"/>
                     </a:solidFill>
@@ -9773,7 +9773,7 @@
               </a:ln>
               <a:extLst>
                 <a:ext uri="{91240B29-F687-4f45-9708-019B960494DF}">
-                  <a14:hiddenLine xmlns:a14="http://schemas.microsoft.com/office/drawing/2010/main" xmlns="" w="9525">
+                  <a14:hiddenLine xmlns="" xmlns:a14="http://schemas.microsoft.com/office/drawing/2010/main" w="9525">
                     <a:solidFill>
                       <a:srgbClr val="000000"/>
                     </a:solidFill>
@@ -9835,7 +9835,7 @@
               </a:ln>
               <a:extLst>
                 <a:ext uri="{91240B29-F687-4f45-9708-019B960494DF}">
-                  <a14:hiddenLine xmlns:a14="http://schemas.microsoft.com/office/drawing/2010/main" xmlns="" w="9525">
+                  <a14:hiddenLine xmlns="" xmlns:a14="http://schemas.microsoft.com/office/drawing/2010/main" w="9525">
                     <a:solidFill>
                       <a:srgbClr val="000000"/>
                     </a:solidFill>
@@ -9945,7 +9945,7 @@
               </a:ln>
               <a:extLst>
                 <a:ext uri="{91240B29-F687-4f45-9708-019B960494DF}">
-                  <a14:hiddenLine xmlns:a14="http://schemas.microsoft.com/office/drawing/2010/main" xmlns="" w="9525">
+                  <a14:hiddenLine xmlns="" xmlns:a14="http://schemas.microsoft.com/office/drawing/2010/main" w="9525">
                     <a:solidFill>
                       <a:srgbClr val="000000"/>
                     </a:solidFill>
@@ -10029,7 +10029,7 @@
               </a:ln>
               <a:extLst>
                 <a:ext uri="{91240B29-F687-4f45-9708-019B960494DF}">
-                  <a14:hiddenLine xmlns:a14="http://schemas.microsoft.com/office/drawing/2010/main" xmlns="" w="9525">
+                  <a14:hiddenLine xmlns="" xmlns:a14="http://schemas.microsoft.com/office/drawing/2010/main" w="9525">
                     <a:solidFill>
                       <a:srgbClr val="000000"/>
                     </a:solidFill>
@@ -10091,7 +10091,7 @@
               </a:ln>
               <a:extLst>
                 <a:ext uri="{91240B29-F687-4f45-9708-019B960494DF}">
-                  <a14:hiddenLine xmlns:a14="http://schemas.microsoft.com/office/drawing/2010/main" xmlns="" w="9525">
+                  <a14:hiddenLine xmlns="" xmlns:a14="http://schemas.microsoft.com/office/drawing/2010/main" w="9525">
                     <a:solidFill>
                       <a:srgbClr val="000000"/>
                     </a:solidFill>
@@ -10153,7 +10153,7 @@
               </a:ln>
               <a:extLst>
                 <a:ext uri="{91240B29-F687-4f45-9708-019B960494DF}">
-                  <a14:hiddenLine xmlns:a14="http://schemas.microsoft.com/office/drawing/2010/main" xmlns="" w="9525">
+                  <a14:hiddenLine xmlns="" xmlns:a14="http://schemas.microsoft.com/office/drawing/2010/main" w="9525">
                     <a:solidFill>
                       <a:srgbClr val="000000"/>
                     </a:solidFill>
@@ -10243,7 +10243,7 @@
               </a:ln>
               <a:extLst>
                 <a:ext uri="{91240B29-F687-4f45-9708-019B960494DF}">
-                  <a14:hiddenLine xmlns:a14="http://schemas.microsoft.com/office/drawing/2010/main" xmlns="" w="9525">
+                  <a14:hiddenLine xmlns="" xmlns:a14="http://schemas.microsoft.com/office/drawing/2010/main" w="9525">
                     <a:solidFill>
                       <a:srgbClr val="000000"/>
                     </a:solidFill>
@@ -10277,7 +10277,7 @@
               </a:ln>
               <a:extLst>
                 <a:ext uri="{91240B29-F687-4f45-9708-019B960494DF}">
-                  <a14:hiddenLine xmlns:a14="http://schemas.microsoft.com/office/drawing/2010/main" xmlns="" w="9525">
+                  <a14:hiddenLine xmlns="" xmlns:a14="http://schemas.microsoft.com/office/drawing/2010/main" w="9525">
                     <a:solidFill>
                       <a:srgbClr val="000000"/>
                     </a:solidFill>
@@ -10342,7 +10342,7 @@
               </a:ln>
               <a:extLst>
                 <a:ext uri="{91240B29-F687-4f45-9708-019B960494DF}">
-                  <a14:hiddenLine xmlns:a14="http://schemas.microsoft.com/office/drawing/2010/main" xmlns="" w="9525">
+                  <a14:hiddenLine xmlns="" xmlns:a14="http://schemas.microsoft.com/office/drawing/2010/main" w="9525">
                     <a:solidFill>
                       <a:srgbClr val="000000"/>
                     </a:solidFill>
@@ -10432,7 +10432,7 @@
               </a:ln>
               <a:extLst>
                 <a:ext uri="{91240B29-F687-4f45-9708-019B960494DF}">
-                  <a14:hiddenLine xmlns:a14="http://schemas.microsoft.com/office/drawing/2010/main" xmlns="" w="9525">
+                  <a14:hiddenLine xmlns="" xmlns:a14="http://schemas.microsoft.com/office/drawing/2010/main" w="9525">
                     <a:solidFill>
                       <a:srgbClr val="000000"/>
                     </a:solidFill>
@@ -10494,7 +10494,7 @@
               </a:ln>
               <a:extLst>
                 <a:ext uri="{91240B29-F687-4f45-9708-019B960494DF}">
-                  <a14:hiddenLine xmlns:a14="http://schemas.microsoft.com/office/drawing/2010/main" xmlns="" w="9525">
+                  <a14:hiddenLine xmlns="" xmlns:a14="http://schemas.microsoft.com/office/drawing/2010/main" w="9525">
                     <a:solidFill>
                       <a:srgbClr val="000000"/>
                     </a:solidFill>
@@ -10584,7 +10584,7 @@
               </a:ln>
               <a:extLst>
                 <a:ext uri="{91240B29-F687-4f45-9708-019B960494DF}">
-                  <a14:hiddenLine xmlns:a14="http://schemas.microsoft.com/office/drawing/2010/main" xmlns="" w="9525">
+                  <a14:hiddenLine xmlns="" xmlns:a14="http://schemas.microsoft.com/office/drawing/2010/main" w="9525">
                     <a:solidFill>
                       <a:srgbClr val="000000"/>
                     </a:solidFill>
@@ -10649,7 +10649,7 @@
               </a:ln>
               <a:extLst>
                 <a:ext uri="{91240B29-F687-4f45-9708-019B960494DF}">
-                  <a14:hiddenLine xmlns:a14="http://schemas.microsoft.com/office/drawing/2010/main" xmlns="" w="9525">
+                  <a14:hiddenLine xmlns="" xmlns:a14="http://schemas.microsoft.com/office/drawing/2010/main" w="9525">
                     <a:solidFill>
                       <a:srgbClr val="000000"/>
                     </a:solidFill>
@@ -10711,7 +10711,7 @@
               </a:ln>
               <a:extLst>
                 <a:ext uri="{91240B29-F687-4f45-9708-019B960494DF}">
-                  <a14:hiddenLine xmlns:a14="http://schemas.microsoft.com/office/drawing/2010/main" xmlns="" w="9525">
+                  <a14:hiddenLine xmlns="" xmlns:a14="http://schemas.microsoft.com/office/drawing/2010/main" w="9525">
                     <a:solidFill>
                       <a:srgbClr val="000000"/>
                     </a:solidFill>
@@ -10801,7 +10801,7 @@
               </a:ln>
               <a:extLst>
                 <a:ext uri="{91240B29-F687-4f45-9708-019B960494DF}">
-                  <a14:hiddenLine xmlns:a14="http://schemas.microsoft.com/office/drawing/2010/main" xmlns="" w="9525">
+                  <a14:hiddenLine xmlns="" xmlns:a14="http://schemas.microsoft.com/office/drawing/2010/main" w="9525">
                     <a:solidFill>
                       <a:srgbClr val="000000"/>
                     </a:solidFill>
@@ -10891,7 +10891,7 @@
               </a:ln>
               <a:extLst>
                 <a:ext uri="{91240B29-F687-4f45-9708-019B960494DF}">
-                  <a14:hiddenLine xmlns:a14="http://schemas.microsoft.com/office/drawing/2010/main" xmlns="" w="9525">
+                  <a14:hiddenLine xmlns="" xmlns:a14="http://schemas.microsoft.com/office/drawing/2010/main" w="9525">
                     <a:solidFill>
                       <a:srgbClr val="000000"/>
                     </a:solidFill>
@@ -10956,7 +10956,7 @@
               </a:ln>
               <a:extLst>
                 <a:ext uri="{91240B29-F687-4f45-9708-019B960494DF}">
-                  <a14:hiddenLine xmlns:a14="http://schemas.microsoft.com/office/drawing/2010/main" xmlns="" w="9525">
+                  <a14:hiddenLine xmlns="" xmlns:a14="http://schemas.microsoft.com/office/drawing/2010/main" w="9525">
                     <a:solidFill>
                       <a:srgbClr val="000000"/>
                     </a:solidFill>
@@ -11076,7 +11076,7 @@
               </a:ln>
               <a:extLst>
                 <a:ext uri="{91240B29-F687-4f45-9708-019B960494DF}">
-                  <a14:hiddenLine xmlns:a14="http://schemas.microsoft.com/office/drawing/2010/main" xmlns="" w="9525">
+                  <a14:hiddenLine xmlns="" xmlns:a14="http://schemas.microsoft.com/office/drawing/2010/main" w="9525">
                     <a:solidFill>
                       <a:srgbClr val="000000"/>
                     </a:solidFill>
@@ -11174,7 +11174,7 @@
               </a:ln>
               <a:extLst>
                 <a:ext uri="{91240B29-F687-4f45-9708-019B960494DF}">
-                  <a14:hiddenLine xmlns:a14="http://schemas.microsoft.com/office/drawing/2010/main" xmlns="" w="9525">
+                  <a14:hiddenLine xmlns="" xmlns:a14="http://schemas.microsoft.com/office/drawing/2010/main" w="9525">
                     <a:solidFill>
                       <a:srgbClr val="000000"/>
                     </a:solidFill>
@@ -11289,7 +11289,7 @@
               </a:ln>
               <a:extLst>
                 <a:ext uri="{91240B29-F687-4f45-9708-019B960494DF}">
-                  <a14:hiddenLine xmlns:a14="http://schemas.microsoft.com/office/drawing/2010/main" xmlns="" w="9525">
+                  <a14:hiddenLine xmlns="" xmlns:a14="http://schemas.microsoft.com/office/drawing/2010/main" w="9525">
                     <a:solidFill>
                       <a:srgbClr val="000000"/>
                     </a:solidFill>
@@ -11379,7 +11379,7 @@
               </a:ln>
               <a:extLst>
                 <a:ext uri="{91240B29-F687-4f45-9708-019B960494DF}">
-                  <a14:hiddenLine xmlns:a14="http://schemas.microsoft.com/office/drawing/2010/main" xmlns="" w="9525">
+                  <a14:hiddenLine xmlns="" xmlns:a14="http://schemas.microsoft.com/office/drawing/2010/main" w="9525">
                     <a:solidFill>
                       <a:srgbClr val="000000"/>
                     </a:solidFill>
@@ -11444,7 +11444,7 @@
               </a:ln>
               <a:extLst>
                 <a:ext uri="{91240B29-F687-4f45-9708-019B960494DF}">
-                  <a14:hiddenLine xmlns:a14="http://schemas.microsoft.com/office/drawing/2010/main" xmlns="" w="9525">
+                  <a14:hiddenLine xmlns="" xmlns:a14="http://schemas.microsoft.com/office/drawing/2010/main" w="9525">
                     <a:solidFill>
                       <a:srgbClr val="000000"/>
                     </a:solidFill>
@@ -11534,7 +11534,7 @@
               </a:ln>
               <a:extLst>
                 <a:ext uri="{91240B29-F687-4f45-9708-019B960494DF}">
-                  <a14:hiddenLine xmlns:a14="http://schemas.microsoft.com/office/drawing/2010/main" xmlns="" w="9525">
+                  <a14:hiddenLine xmlns="" xmlns:a14="http://schemas.microsoft.com/office/drawing/2010/main" w="9525">
                     <a:solidFill>
                       <a:srgbClr val="000000"/>
                     </a:solidFill>
@@ -11602,7 +11602,7 @@
               </a:ln>
               <a:extLst>
                 <a:ext uri="{91240B29-F687-4f45-9708-019B960494DF}">
-                  <a14:hiddenLine xmlns:a14="http://schemas.microsoft.com/office/drawing/2010/main" xmlns="" w="9525">
+                  <a14:hiddenLine xmlns="" xmlns:a14="http://schemas.microsoft.com/office/drawing/2010/main" w="9525">
                     <a:solidFill>
                       <a:srgbClr val="000000"/>
                     </a:solidFill>
@@ -11692,7 +11692,7 @@
               </a:ln>
               <a:extLst>
                 <a:ext uri="{91240B29-F687-4f45-9708-019B960494DF}">
-                  <a14:hiddenLine xmlns:a14="http://schemas.microsoft.com/office/drawing/2010/main" xmlns="" w="9525">
+                  <a14:hiddenLine xmlns="" xmlns:a14="http://schemas.microsoft.com/office/drawing/2010/main" w="9525">
                     <a:solidFill>
                       <a:srgbClr val="000000"/>
                     </a:solidFill>
@@ -11760,7 +11760,7 @@
               </a:ln>
               <a:extLst>
                 <a:ext uri="{91240B29-F687-4f45-9708-019B960494DF}">
-                  <a14:hiddenLine xmlns:a14="http://schemas.microsoft.com/office/drawing/2010/main" xmlns="" w="9525">
+                  <a14:hiddenLine xmlns="" xmlns:a14="http://schemas.microsoft.com/office/drawing/2010/main" w="9525">
                     <a:solidFill>
                       <a:srgbClr val="000000"/>
                     </a:solidFill>
@@ -11850,7 +11850,7 @@
               </a:ln>
               <a:extLst>
                 <a:ext uri="{91240B29-F687-4f45-9708-019B960494DF}">
-                  <a14:hiddenLine xmlns:a14="http://schemas.microsoft.com/office/drawing/2010/main" xmlns="" w="9525">
+                  <a14:hiddenLine xmlns="" xmlns:a14="http://schemas.microsoft.com/office/drawing/2010/main" w="9525">
                     <a:solidFill>
                       <a:srgbClr val="000000"/>
                     </a:solidFill>
@@ -11884,7 +11884,7 @@
               </a:ln>
               <a:extLst>
                 <a:ext uri="{91240B29-F687-4f45-9708-019B960494DF}">
-                  <a14:hiddenLine xmlns:a14="http://schemas.microsoft.com/office/drawing/2010/main" xmlns="" w="9525">
+                  <a14:hiddenLine xmlns="" xmlns:a14="http://schemas.microsoft.com/office/drawing/2010/main" w="9525">
                     <a:solidFill>
                       <a:srgbClr val="000000"/>
                     </a:solidFill>
@@ -13898,13 +13898,10 @@
             </a:r>
             <a:r>
               <a:rPr lang="en-US" sz="4000" dirty="0"/>
-              <a:t> vs. Format</a:t>
-            </a:r>
-          </a:p>
-          <a:p>
-            <a:pPr lvl="1"/>
-            <a:r>
-              <a:rPr lang="en-US" sz="4000" dirty="0" err="1"/>
+              <a:t>? </a:t>
+            </a:r>
+            <a:r>
+              <a:rPr lang="en-US" sz="4000"/>
               <a:t>Uformaliseret</a:t>
             </a:r>
             <a:endParaRPr lang="en-US" sz="4000" dirty="0"/>

--- a/Eksamen powerpoint.pptx
+++ b/Eksamen powerpoint.pptx
@@ -13867,7 +13867,11 @@
             <a:pPr lvl="2"/>
             <a:r>
               <a:rPr lang="en-US" sz="4000" dirty="0"/>
-              <a:t>Glad – Der, </a:t>
+              <a:t>Glad </a:t>
+            </a:r>
+            <a:r>
+              <a:rPr lang="en-US" sz="4000"/>
+              <a:t>– Det, </a:t>
             </a:r>
             <a:r>
               <a:rPr lang="en-US" sz="4000" dirty="0" err="1"/>
@@ -13901,7 +13905,7 @@
               <a:t>? </a:t>
             </a:r>
             <a:r>
-              <a:rPr lang="en-US" sz="4000"/>
+              <a:rPr lang="en-US" sz="4000" dirty="0" err="1"/>
               <a:t>Uformaliseret</a:t>
             </a:r>
             <a:endParaRPr lang="en-US" sz="4000" dirty="0"/>

--- a/Eksamen powerpoint.pptx
+++ b/Eksamen powerpoint.pptx
@@ -6,14 +6,15 @@
   </p:sldMasterIdLst>
   <p:sldIdLst>
     <p:sldId id="256" r:id="rId2"/>
-    <p:sldId id="257" r:id="rId3"/>
-    <p:sldId id="259" r:id="rId4"/>
-    <p:sldId id="258" r:id="rId5"/>
-    <p:sldId id="260" r:id="rId6"/>
-    <p:sldId id="263" r:id="rId7"/>
-    <p:sldId id="264" r:id="rId8"/>
-    <p:sldId id="262" r:id="rId9"/>
-    <p:sldId id="261" r:id="rId10"/>
+    <p:sldId id="265" r:id="rId3"/>
+    <p:sldId id="257" r:id="rId4"/>
+    <p:sldId id="259" r:id="rId5"/>
+    <p:sldId id="258" r:id="rId6"/>
+    <p:sldId id="260" r:id="rId7"/>
+    <p:sldId id="263" r:id="rId8"/>
+    <p:sldId id="264" r:id="rId9"/>
+    <p:sldId id="262" r:id="rId10"/>
+    <p:sldId id="261" r:id="rId11"/>
   </p:sldIdLst>
   <p:sldSz cx="12192000" cy="6858000"/>
   <p:notesSz cx="6858000" cy="9144000"/>
@@ -12566,7 +12567,336 @@
 </p:sld>
 </file>
 
+<file path=ppt/slides/slide10.xml><?xml version="1.0" encoding="utf-8"?>
+<p:sld xmlns:a="http://schemas.openxmlformats.org/drawingml/2006/main" xmlns:r="http://schemas.openxmlformats.org/officeDocument/2006/relationships" xmlns:p="http://schemas.openxmlformats.org/presentationml/2006/main">
+  <p:cSld>
+    <p:spTree>
+      <p:nvGrpSpPr>
+        <p:cNvPr id="1" name=""/>
+        <p:cNvGrpSpPr/>
+        <p:nvPr/>
+      </p:nvGrpSpPr>
+      <p:grpSpPr>
+        <a:xfrm>
+          <a:off x="0" y="0"/>
+          <a:ext cx="0" cy="0"/>
+          <a:chOff x="0" y="0"/>
+          <a:chExt cx="0" cy="0"/>
+        </a:xfrm>
+      </p:grpSpPr>
+      <p:sp>
+        <p:nvSpPr>
+          <p:cNvPr id="2" name="Title 1">
+            <a:extLst>
+              <a:ext uri="{FF2B5EF4-FFF2-40B4-BE49-F238E27FC236}">
+                <a16:creationId xmlns:a16="http://schemas.microsoft.com/office/drawing/2014/main" id="{AE976DE0-983F-43DD-9E82-1D00B4B57D7F}"/>
+              </a:ext>
+            </a:extLst>
+          </p:cNvPr>
+          <p:cNvSpPr>
+            <a:spLocks noGrp="1"/>
+          </p:cNvSpPr>
+          <p:nvPr>
+            <p:ph type="title"/>
+          </p:nvPr>
+        </p:nvSpPr>
+        <p:spPr>
+          <a:xfrm>
+            <a:off x="1141412" y="0"/>
+            <a:ext cx="9905998" cy="1478570"/>
+          </a:xfrm>
+        </p:spPr>
+        <p:txBody>
+          <a:bodyPr>
+            <a:normAutofit/>
+          </a:bodyPr>
+          <a:lstStyle/>
+          <a:p>
+            <a:pPr algn="ctr"/>
+            <a:r>
+              <a:rPr lang="en-US" sz="7200" dirty="0"/>
+              <a:t>Sprint Retrospective</a:t>
+            </a:r>
+          </a:p>
+        </p:txBody>
+      </p:sp>
+      <p:sp>
+        <p:nvSpPr>
+          <p:cNvPr id="3" name="Content Placeholder 2">
+            <a:extLst>
+              <a:ext uri="{FF2B5EF4-FFF2-40B4-BE49-F238E27FC236}">
+                <a16:creationId xmlns:a16="http://schemas.microsoft.com/office/drawing/2014/main" id="{62069AAC-DB88-49D3-8A1F-340429F26306}"/>
+              </a:ext>
+            </a:extLst>
+          </p:cNvPr>
+          <p:cNvSpPr>
+            <a:spLocks noGrp="1"/>
+          </p:cNvSpPr>
+          <p:nvPr>
+            <p:ph idx="1"/>
+          </p:nvPr>
+        </p:nvSpPr>
+        <p:spPr>
+          <a:xfrm>
+            <a:off x="1141411" y="1233515"/>
+            <a:ext cx="9905999" cy="3541714"/>
+          </a:xfrm>
+        </p:spPr>
+        <p:txBody>
+          <a:bodyPr>
+            <a:noAutofit/>
+          </a:bodyPr>
+          <a:lstStyle/>
+          <a:p>
+            <a:r>
+              <a:rPr lang="en-US" sz="4000" dirty="0" err="1"/>
+              <a:t>Typer</a:t>
+            </a:r>
+            <a:r>
+              <a:rPr lang="en-US" sz="4000" dirty="0"/>
+              <a:t> </a:t>
+            </a:r>
+            <a:r>
+              <a:rPr lang="en-US" sz="4000" dirty="0" err="1"/>
+              <a:t>af</a:t>
+            </a:r>
+            <a:r>
+              <a:rPr lang="en-US" sz="4000" dirty="0"/>
+              <a:t> </a:t>
+            </a:r>
+            <a:r>
+              <a:rPr lang="en-US" sz="4000" dirty="0" err="1"/>
+              <a:t>formalisering</a:t>
+            </a:r>
+            <a:endParaRPr lang="en-US" sz="4000" dirty="0"/>
+          </a:p>
+          <a:p>
+            <a:pPr lvl="1"/>
+            <a:r>
+              <a:rPr lang="en-US" sz="4000" dirty="0"/>
+              <a:t>Ex. Mad Sad Glad</a:t>
+            </a:r>
+          </a:p>
+          <a:p>
+            <a:pPr lvl="2"/>
+            <a:r>
+              <a:rPr lang="en-US" sz="4000" dirty="0"/>
+              <a:t>Mad – Det, </a:t>
+            </a:r>
+            <a:r>
+              <a:rPr lang="en-US" sz="4000" dirty="0" err="1"/>
+              <a:t>som</a:t>
+            </a:r>
+            <a:r>
+              <a:rPr lang="en-US" sz="4000" dirty="0"/>
+              <a:t> </a:t>
+            </a:r>
+            <a:r>
+              <a:rPr lang="en-US" sz="4000" dirty="0" err="1"/>
+              <a:t>skal</a:t>
+            </a:r>
+            <a:r>
+              <a:rPr lang="en-US" sz="4000" dirty="0"/>
+              <a:t> </a:t>
+            </a:r>
+            <a:r>
+              <a:rPr lang="en-US" sz="4000" dirty="0" err="1"/>
+              <a:t>ændres</a:t>
+            </a:r>
+            <a:endParaRPr lang="en-US" sz="4000" dirty="0"/>
+          </a:p>
+          <a:p>
+            <a:pPr lvl="2"/>
+            <a:r>
+              <a:rPr lang="en-US" sz="4000" dirty="0"/>
+              <a:t>Sad – Det, der </a:t>
+            </a:r>
+            <a:r>
+              <a:rPr lang="en-US" sz="4000" dirty="0" err="1"/>
+              <a:t>kunne</a:t>
+            </a:r>
+            <a:r>
+              <a:rPr lang="en-US" sz="4000" dirty="0"/>
+              <a:t> </a:t>
+            </a:r>
+            <a:r>
+              <a:rPr lang="en-US" sz="4000" dirty="0" err="1"/>
+              <a:t>være</a:t>
+            </a:r>
+            <a:r>
+              <a:rPr lang="en-US" sz="4000" dirty="0"/>
+              <a:t> </a:t>
+            </a:r>
+            <a:r>
+              <a:rPr lang="en-US" sz="4000" dirty="0" err="1"/>
+              <a:t>bedre</a:t>
+            </a:r>
+            <a:endParaRPr lang="en-US" sz="4000" dirty="0"/>
+          </a:p>
+          <a:p>
+            <a:pPr lvl="2"/>
+            <a:r>
+              <a:rPr lang="en-US" sz="4000" dirty="0"/>
+              <a:t>Glad – Det, </a:t>
+            </a:r>
+            <a:r>
+              <a:rPr lang="en-US" sz="4000" dirty="0" err="1"/>
+              <a:t>som</a:t>
+            </a:r>
+            <a:r>
+              <a:rPr lang="en-US" sz="4000" dirty="0"/>
+              <a:t> </a:t>
+            </a:r>
+            <a:r>
+              <a:rPr lang="en-US" sz="4000" dirty="0" err="1"/>
+              <a:t>går</a:t>
+            </a:r>
+            <a:r>
+              <a:rPr lang="en-US" sz="4000" dirty="0"/>
+              <a:t> </a:t>
+            </a:r>
+            <a:r>
+              <a:rPr lang="en-US" sz="4000" dirty="0" err="1"/>
+              <a:t>godt</a:t>
+            </a:r>
+            <a:endParaRPr lang="en-US" sz="4000" dirty="0"/>
+          </a:p>
+          <a:p>
+            <a:r>
+              <a:rPr lang="en-US" sz="4000" dirty="0" err="1"/>
+              <a:t>Projekt</a:t>
+            </a:r>
+            <a:r>
+              <a:rPr lang="en-US" sz="4000" dirty="0"/>
+              <a:t>? </a:t>
+            </a:r>
+            <a:r>
+              <a:rPr lang="en-US" sz="4000" dirty="0" err="1"/>
+              <a:t>Uformaliseret</a:t>
+            </a:r>
+            <a:endParaRPr lang="en-US" sz="4000" dirty="0"/>
+          </a:p>
+        </p:txBody>
+      </p:sp>
+    </p:spTree>
+    <p:extLst>
+      <p:ext uri="{BB962C8B-B14F-4D97-AF65-F5344CB8AC3E}">
+        <p14:creationId xmlns:p14="http://schemas.microsoft.com/office/powerpoint/2010/main" val="1630969571"/>
+      </p:ext>
+    </p:extLst>
+  </p:cSld>
+  <p:clrMapOvr>
+    <a:masterClrMapping/>
+  </p:clrMapOvr>
+</p:sld>
+</file>
+
 <file path=ppt/slides/slide2.xml><?xml version="1.0" encoding="utf-8"?>
+<p:sld xmlns:a="http://schemas.openxmlformats.org/drawingml/2006/main" xmlns:r="http://schemas.openxmlformats.org/officeDocument/2006/relationships" xmlns:p="http://schemas.openxmlformats.org/presentationml/2006/main">
+  <p:cSld>
+    <p:spTree>
+      <p:nvGrpSpPr>
+        <p:cNvPr id="1" name=""/>
+        <p:cNvGrpSpPr/>
+        <p:nvPr/>
+      </p:nvGrpSpPr>
+      <p:grpSpPr>
+        <a:xfrm>
+          <a:off x="0" y="0"/>
+          <a:ext cx="0" cy="0"/>
+          <a:chOff x="0" y="0"/>
+          <a:chExt cx="0" cy="0"/>
+        </a:xfrm>
+      </p:grpSpPr>
+      <p:sp>
+        <p:nvSpPr>
+          <p:cNvPr id="2" name="Title 1">
+            <a:extLst>
+              <a:ext uri="{FF2B5EF4-FFF2-40B4-BE49-F238E27FC236}">
+                <a16:creationId xmlns:a16="http://schemas.microsoft.com/office/drawing/2014/main" id="{BE656AC2-7BD6-4EFA-8EAF-117D5BCBD7E5}"/>
+              </a:ext>
+            </a:extLst>
+          </p:cNvPr>
+          <p:cNvSpPr>
+            <a:spLocks noGrp="1"/>
+          </p:cNvSpPr>
+          <p:nvPr>
+            <p:ph type="title"/>
+          </p:nvPr>
+        </p:nvSpPr>
+        <p:spPr>
+          <a:xfrm>
+            <a:off x="1143001" y="2483091"/>
+            <a:ext cx="9905998" cy="1478570"/>
+          </a:xfrm>
+        </p:spPr>
+        <p:txBody>
+          <a:bodyPr>
+            <a:noAutofit/>
+          </a:bodyPr>
+          <a:lstStyle/>
+          <a:p>
+            <a:pPr>
+              <a:lnSpc>
+                <a:spcPct val="150000"/>
+              </a:lnSpc>
+            </a:pPr>
+            <a:r>
+              <a:rPr lang="en-US" sz="4000" dirty="0" err="1"/>
+              <a:t>Projekt</a:t>
+            </a:r>
+            <a:br>
+              <a:rPr lang="en-US" sz="4000" dirty="0"/>
+            </a:br>
+            <a:r>
+              <a:rPr lang="en-US" sz="4000" dirty="0" err="1"/>
+              <a:t>Estimering</a:t>
+            </a:r>
+            <a:br>
+              <a:rPr lang="en-US" sz="4000" dirty="0"/>
+            </a:br>
+            <a:r>
+              <a:rPr lang="en-US" sz="4000" dirty="0"/>
+              <a:t>Sustainable Pace</a:t>
+            </a:r>
+            <a:br>
+              <a:rPr lang="en-US" sz="4000" dirty="0"/>
+            </a:br>
+            <a:r>
+              <a:rPr lang="en-US" sz="4000" dirty="0"/>
+              <a:t>Test-Driven Development</a:t>
+            </a:r>
+            <a:br>
+              <a:rPr lang="en-US" sz="4000" dirty="0"/>
+            </a:br>
+            <a:r>
+              <a:rPr lang="en-US" sz="4000" dirty="0"/>
+              <a:t>Pair Programming</a:t>
+            </a:r>
+            <a:br>
+              <a:rPr lang="en-US" sz="4000" dirty="0"/>
+            </a:br>
+            <a:r>
+              <a:rPr lang="en-US" sz="4000" dirty="0"/>
+              <a:t>Sprint Retrospective</a:t>
+            </a:r>
+          </a:p>
+        </p:txBody>
+      </p:sp>
+    </p:spTree>
+    <p:extLst>
+      <p:ext uri="{BB962C8B-B14F-4D97-AF65-F5344CB8AC3E}">
+        <p14:creationId xmlns:p14="http://schemas.microsoft.com/office/powerpoint/2010/main" val="636680824"/>
+      </p:ext>
+    </p:extLst>
+  </p:cSld>
+  <p:clrMapOvr>
+    <a:masterClrMapping/>
+  </p:clrMapOvr>
+</p:sld>
+</file>
+
+<file path=ppt/slides/slide3.xml><?xml version="1.0" encoding="utf-8"?>
 <p:sld xmlns:a="http://schemas.openxmlformats.org/drawingml/2006/main" xmlns:r="http://schemas.openxmlformats.org/officeDocument/2006/relationships" xmlns:p="http://schemas.openxmlformats.org/presentationml/2006/main">
   <p:cSld>
     <p:spTree>
@@ -12601,8 +12931,8 @@
         </p:nvSpPr>
         <p:spPr>
           <a:xfrm>
-            <a:off x="710214" y="0"/>
-            <a:ext cx="10830757" cy="1478570"/>
+            <a:off x="1038687" y="0"/>
+            <a:ext cx="10386874" cy="1478570"/>
           </a:xfrm>
         </p:spPr>
         <p:txBody>
@@ -12740,7 +13070,7 @@
 </p:sld>
 </file>
 
-<file path=ppt/slides/slide3.xml><?xml version="1.0" encoding="utf-8"?>
+<file path=ppt/slides/slide4.xml><?xml version="1.0" encoding="utf-8"?>
 <p:sld xmlns:a="http://schemas.openxmlformats.org/drawingml/2006/main" xmlns:r="http://schemas.openxmlformats.org/officeDocument/2006/relationships" xmlns:p="http://schemas.openxmlformats.org/presentationml/2006/main">
   <p:cSld>
     <p:spTree>
@@ -12874,7 +13204,7 @@
 </p:sld>
 </file>
 
-<file path=ppt/slides/slide4.xml><?xml version="1.0" encoding="utf-8"?>
+<file path=ppt/slides/slide5.xml><?xml version="1.0" encoding="utf-8"?>
 <p:sld xmlns:a="http://schemas.openxmlformats.org/drawingml/2006/main" xmlns:r="http://schemas.openxmlformats.org/officeDocument/2006/relationships" xmlns:p="http://schemas.openxmlformats.org/presentationml/2006/main">
   <p:cSld>
     <p:spTree>
@@ -13081,7 +13411,7 @@
 </p:sld>
 </file>
 
-<file path=ppt/slides/slide5.xml><?xml version="1.0" encoding="utf-8"?>
+<file path=ppt/slides/slide6.xml><?xml version="1.0" encoding="utf-8"?>
 <p:sld xmlns:a="http://schemas.openxmlformats.org/drawingml/2006/main" xmlns:r="http://schemas.openxmlformats.org/officeDocument/2006/relationships" xmlns:p="http://schemas.openxmlformats.org/presentationml/2006/main">
   <p:cSld>
     <p:spTree>
@@ -13182,7 +13512,7 @@
 </p:sld>
 </file>
 
-<file path=ppt/slides/slide6.xml><?xml version="1.0" encoding="utf-8"?>
+<file path=ppt/slides/slide7.xml><?xml version="1.0" encoding="utf-8"?>
 <p:sld xmlns:a="http://schemas.openxmlformats.org/drawingml/2006/main" xmlns:r="http://schemas.openxmlformats.org/officeDocument/2006/relationships" xmlns:p="http://schemas.openxmlformats.org/presentationml/2006/main">
   <p:cSld>
     <p:spTree>
@@ -13311,7 +13641,7 @@
 </p:sld>
 </file>
 
-<file path=ppt/slides/slide7.xml><?xml version="1.0" encoding="utf-8"?>
+<file path=ppt/slides/slide8.xml><?xml version="1.0" encoding="utf-8"?>
 <p:sld xmlns:a="http://schemas.openxmlformats.org/drawingml/2006/main" xmlns:r="http://schemas.openxmlformats.org/officeDocument/2006/relationships" xmlns:p="http://schemas.openxmlformats.org/presentationml/2006/main">
   <p:cSld>
     <p:spTree>
@@ -13490,7 +13820,7 @@
 </p:sld>
 </file>
 
-<file path=ppt/slides/slide8.xml><?xml version="1.0" encoding="utf-8"?>
+<file path=ppt/slides/slide9.xml><?xml version="1.0" encoding="utf-8"?>
 <p:sld xmlns:a="http://schemas.openxmlformats.org/drawingml/2006/main" xmlns:r="http://schemas.openxmlformats.org/officeDocument/2006/relationships" xmlns:p="http://schemas.openxmlformats.org/presentationml/2006/main">
   <p:cSld>
     <p:spTree>
@@ -13688,234 +14018,6 @@
     <p:extLst>
       <p:ext uri="{BB962C8B-B14F-4D97-AF65-F5344CB8AC3E}">
         <p14:creationId xmlns:p14="http://schemas.microsoft.com/office/powerpoint/2010/main" val="3410981348"/>
-      </p:ext>
-    </p:extLst>
-  </p:cSld>
-  <p:clrMapOvr>
-    <a:masterClrMapping/>
-  </p:clrMapOvr>
-</p:sld>
-</file>
-
-<file path=ppt/slides/slide9.xml><?xml version="1.0" encoding="utf-8"?>
-<p:sld xmlns:a="http://schemas.openxmlformats.org/drawingml/2006/main" xmlns:r="http://schemas.openxmlformats.org/officeDocument/2006/relationships" xmlns:p="http://schemas.openxmlformats.org/presentationml/2006/main">
-  <p:cSld>
-    <p:spTree>
-      <p:nvGrpSpPr>
-        <p:cNvPr id="1" name=""/>
-        <p:cNvGrpSpPr/>
-        <p:nvPr/>
-      </p:nvGrpSpPr>
-      <p:grpSpPr>
-        <a:xfrm>
-          <a:off x="0" y="0"/>
-          <a:ext cx="0" cy="0"/>
-          <a:chOff x="0" y="0"/>
-          <a:chExt cx="0" cy="0"/>
-        </a:xfrm>
-      </p:grpSpPr>
-      <p:sp>
-        <p:nvSpPr>
-          <p:cNvPr id="2" name="Title 1">
-            <a:extLst>
-              <a:ext uri="{FF2B5EF4-FFF2-40B4-BE49-F238E27FC236}">
-                <a16:creationId xmlns:a16="http://schemas.microsoft.com/office/drawing/2014/main" id="{AE976DE0-983F-43DD-9E82-1D00B4B57D7F}"/>
-              </a:ext>
-            </a:extLst>
-          </p:cNvPr>
-          <p:cNvSpPr>
-            <a:spLocks noGrp="1"/>
-          </p:cNvSpPr>
-          <p:nvPr>
-            <p:ph type="title"/>
-          </p:nvPr>
-        </p:nvSpPr>
-        <p:spPr>
-          <a:xfrm>
-            <a:off x="1141412" y="0"/>
-            <a:ext cx="9905998" cy="1478570"/>
-          </a:xfrm>
-        </p:spPr>
-        <p:txBody>
-          <a:bodyPr>
-            <a:normAutofit/>
-          </a:bodyPr>
-          <a:lstStyle/>
-          <a:p>
-            <a:pPr algn="ctr"/>
-            <a:r>
-              <a:rPr lang="en-US" sz="7200" dirty="0"/>
-              <a:t>Sprint Retrospective</a:t>
-            </a:r>
-          </a:p>
-        </p:txBody>
-      </p:sp>
-      <p:sp>
-        <p:nvSpPr>
-          <p:cNvPr id="3" name="Content Placeholder 2">
-            <a:extLst>
-              <a:ext uri="{FF2B5EF4-FFF2-40B4-BE49-F238E27FC236}">
-                <a16:creationId xmlns:a16="http://schemas.microsoft.com/office/drawing/2014/main" id="{62069AAC-DB88-49D3-8A1F-340429F26306}"/>
-              </a:ext>
-            </a:extLst>
-          </p:cNvPr>
-          <p:cNvSpPr>
-            <a:spLocks noGrp="1"/>
-          </p:cNvSpPr>
-          <p:nvPr>
-            <p:ph idx="1"/>
-          </p:nvPr>
-        </p:nvSpPr>
-        <p:spPr>
-          <a:xfrm>
-            <a:off x="1141411" y="1233515"/>
-            <a:ext cx="9905999" cy="3541714"/>
-          </a:xfrm>
-        </p:spPr>
-        <p:txBody>
-          <a:bodyPr>
-            <a:noAutofit/>
-          </a:bodyPr>
-          <a:lstStyle/>
-          <a:p>
-            <a:r>
-              <a:rPr lang="en-US" sz="4000" dirty="0" err="1"/>
-              <a:t>Typer</a:t>
-            </a:r>
-            <a:r>
-              <a:rPr lang="en-US" sz="4000" dirty="0"/>
-              <a:t> </a:t>
-            </a:r>
-            <a:r>
-              <a:rPr lang="en-US" sz="4000" dirty="0" err="1"/>
-              <a:t>af</a:t>
-            </a:r>
-            <a:r>
-              <a:rPr lang="en-US" sz="4000" dirty="0"/>
-              <a:t> </a:t>
-            </a:r>
-            <a:r>
-              <a:rPr lang="en-US" sz="4000" dirty="0" err="1"/>
-              <a:t>formalisering</a:t>
-            </a:r>
-            <a:endParaRPr lang="en-US" sz="4000" dirty="0"/>
-          </a:p>
-          <a:p>
-            <a:pPr lvl="1"/>
-            <a:r>
-              <a:rPr lang="en-US" sz="4000" dirty="0"/>
-              <a:t>Ex. Mad Sad Glad</a:t>
-            </a:r>
-          </a:p>
-          <a:p>
-            <a:pPr lvl="2"/>
-            <a:r>
-              <a:rPr lang="en-US" sz="4000" dirty="0"/>
-              <a:t>Mad – Det, </a:t>
-            </a:r>
-            <a:r>
-              <a:rPr lang="en-US" sz="4000" dirty="0" err="1"/>
-              <a:t>som</a:t>
-            </a:r>
-            <a:r>
-              <a:rPr lang="en-US" sz="4000" dirty="0"/>
-              <a:t> </a:t>
-            </a:r>
-            <a:r>
-              <a:rPr lang="en-US" sz="4000" dirty="0" err="1"/>
-              <a:t>skal</a:t>
-            </a:r>
-            <a:r>
-              <a:rPr lang="en-US" sz="4000" dirty="0"/>
-              <a:t> </a:t>
-            </a:r>
-            <a:r>
-              <a:rPr lang="en-US" sz="4000" dirty="0" err="1"/>
-              <a:t>ændres</a:t>
-            </a:r>
-            <a:endParaRPr lang="en-US" sz="4000" dirty="0"/>
-          </a:p>
-          <a:p>
-            <a:pPr lvl="2"/>
-            <a:r>
-              <a:rPr lang="en-US" sz="4000" dirty="0"/>
-              <a:t>Sad – Det, der </a:t>
-            </a:r>
-            <a:r>
-              <a:rPr lang="en-US" sz="4000" dirty="0" err="1"/>
-              <a:t>kunne</a:t>
-            </a:r>
-            <a:r>
-              <a:rPr lang="en-US" sz="4000" dirty="0"/>
-              <a:t> </a:t>
-            </a:r>
-            <a:r>
-              <a:rPr lang="en-US" sz="4000" dirty="0" err="1"/>
-              <a:t>være</a:t>
-            </a:r>
-            <a:r>
-              <a:rPr lang="en-US" sz="4000" dirty="0"/>
-              <a:t> </a:t>
-            </a:r>
-            <a:r>
-              <a:rPr lang="en-US" sz="4000" dirty="0" err="1"/>
-              <a:t>bedre</a:t>
-            </a:r>
-            <a:endParaRPr lang="en-US" sz="4000" dirty="0"/>
-          </a:p>
-          <a:p>
-            <a:pPr lvl="2"/>
-            <a:r>
-              <a:rPr lang="en-US" sz="4000" dirty="0"/>
-              <a:t>Glad </a:t>
-            </a:r>
-            <a:r>
-              <a:rPr lang="en-US" sz="4000"/>
-              <a:t>– Det, </a:t>
-            </a:r>
-            <a:r>
-              <a:rPr lang="en-US" sz="4000" dirty="0" err="1"/>
-              <a:t>som</a:t>
-            </a:r>
-            <a:r>
-              <a:rPr lang="en-US" sz="4000" dirty="0"/>
-              <a:t> </a:t>
-            </a:r>
-            <a:r>
-              <a:rPr lang="en-US" sz="4000" dirty="0" err="1"/>
-              <a:t>går</a:t>
-            </a:r>
-            <a:r>
-              <a:rPr lang="en-US" sz="4000" dirty="0"/>
-              <a:t> </a:t>
-            </a:r>
-            <a:r>
-              <a:rPr lang="en-US" sz="4000" dirty="0" err="1"/>
-              <a:t>godt</a:t>
-            </a:r>
-            <a:endParaRPr lang="en-US" sz="4000" dirty="0"/>
-          </a:p>
-          <a:p>
-            <a:r>
-              <a:rPr lang="en-US" sz="4000" dirty="0" err="1"/>
-              <a:t>Projekt</a:t>
-            </a:r>
-            <a:r>
-              <a:rPr lang="en-US" sz="4000" dirty="0"/>
-              <a:t>? </a:t>
-            </a:r>
-            <a:r>
-              <a:rPr lang="en-US" sz="4000" dirty="0" err="1"/>
-              <a:t>Uformaliseret</a:t>
-            </a:r>
-            <a:endParaRPr lang="en-US" sz="4000" dirty="0"/>
-          </a:p>
-        </p:txBody>
-      </p:sp>
-    </p:spTree>
-    <p:extLst>
-      <p:ext uri="{BB962C8B-B14F-4D97-AF65-F5344CB8AC3E}">
-        <p14:creationId xmlns:p14="http://schemas.microsoft.com/office/powerpoint/2010/main" val="1630969571"/>
       </p:ext>
     </p:extLst>
   </p:cSld>

--- a/Eksamen powerpoint.pptx
+++ b/Eksamen powerpoint.pptx
@@ -4397,7 +4397,7 @@
           <a:p>
             <a:fld id="{DA1144DE-210E-4C4E-83F9-0A40A9B37017}" type="datetimeFigureOut">
               <a:rPr lang="en-US" smtClean="0"/>
-              <a:t>18-Jan-19</a:t>
+              <a:t>21-Jan-19</a:t>
             </a:fld>
             <a:endParaRPr lang="en-US"/>
           </a:p>
@@ -4664,7 +4664,7 @@
           <a:p>
             <a:fld id="{DA1144DE-210E-4C4E-83F9-0A40A9B37017}" type="datetimeFigureOut">
               <a:rPr lang="en-US" smtClean="0"/>
-              <a:t>18-Jan-19</a:t>
+              <a:t>21-Jan-19</a:t>
             </a:fld>
             <a:endParaRPr lang="en-US"/>
           </a:p>
@@ -4860,7 +4860,7 @@
           <a:p>
             <a:fld id="{DA1144DE-210E-4C4E-83F9-0A40A9B37017}" type="datetimeFigureOut">
               <a:rPr lang="en-US" smtClean="0"/>
-              <a:t>18-Jan-19</a:t>
+              <a:t>21-Jan-19</a:t>
             </a:fld>
             <a:endParaRPr lang="en-US"/>
           </a:p>
@@ -5123,7 +5123,7 @@
           <a:p>
             <a:fld id="{DA1144DE-210E-4C4E-83F9-0A40A9B37017}" type="datetimeFigureOut">
               <a:rPr lang="en-US" smtClean="0"/>
-              <a:t>18-Jan-19</a:t>
+              <a:t>21-Jan-19</a:t>
             </a:fld>
             <a:endParaRPr lang="en-US"/>
           </a:p>
@@ -5557,7 +5557,7 @@
           <a:p>
             <a:fld id="{DA1144DE-210E-4C4E-83F9-0A40A9B37017}" type="datetimeFigureOut">
               <a:rPr lang="en-US" smtClean="0"/>
-              <a:t>18-Jan-19</a:t>
+              <a:t>21-Jan-19</a:t>
             </a:fld>
             <a:endParaRPr lang="en-US"/>
           </a:p>
@@ -6103,7 +6103,7 @@
           <a:p>
             <a:fld id="{DA1144DE-210E-4C4E-83F9-0A40A9B37017}" type="datetimeFigureOut">
               <a:rPr lang="en-US" smtClean="0"/>
-              <a:t>18-Jan-19</a:t>
+              <a:t>21-Jan-19</a:t>
             </a:fld>
             <a:endParaRPr lang="en-US"/>
           </a:p>
@@ -6823,7 +6823,7 @@
           <a:p>
             <a:fld id="{DA1144DE-210E-4C4E-83F9-0A40A9B37017}" type="datetimeFigureOut">
               <a:rPr lang="en-US" smtClean="0"/>
-              <a:t>18-Jan-19</a:t>
+              <a:t>21-Jan-19</a:t>
             </a:fld>
             <a:endParaRPr lang="en-US"/>
           </a:p>
@@ -6993,7 +6993,7 @@
           <a:p>
             <a:fld id="{DA1144DE-210E-4C4E-83F9-0A40A9B37017}" type="datetimeFigureOut">
               <a:rPr lang="en-US" smtClean="0"/>
-              <a:t>18-Jan-19</a:t>
+              <a:t>21-Jan-19</a:t>
             </a:fld>
             <a:endParaRPr lang="en-US"/>
           </a:p>
@@ -7173,7 +7173,7 @@
           <a:p>
             <a:fld id="{DA1144DE-210E-4C4E-83F9-0A40A9B37017}" type="datetimeFigureOut">
               <a:rPr lang="en-US" smtClean="0"/>
-              <a:t>18-Jan-19</a:t>
+              <a:t>21-Jan-19</a:t>
             </a:fld>
             <a:endParaRPr lang="en-US"/>
           </a:p>
@@ -7343,7 +7343,7 @@
           <a:p>
             <a:fld id="{DA1144DE-210E-4C4E-83F9-0A40A9B37017}" type="datetimeFigureOut">
               <a:rPr lang="en-US" smtClean="0"/>
-              <a:t>18-Jan-19</a:t>
+              <a:t>21-Jan-19</a:t>
             </a:fld>
             <a:endParaRPr lang="en-US"/>
           </a:p>
@@ -7593,7 +7593,7 @@
           <a:p>
             <a:fld id="{DA1144DE-210E-4C4E-83F9-0A40A9B37017}" type="datetimeFigureOut">
               <a:rPr lang="en-US" smtClean="0"/>
-              <a:t>18-Jan-19</a:t>
+              <a:t>21-Jan-19</a:t>
             </a:fld>
             <a:endParaRPr lang="en-US"/>
           </a:p>
@@ -7825,7 +7825,7 @@
           <a:p>
             <a:fld id="{DA1144DE-210E-4C4E-83F9-0A40A9B37017}" type="datetimeFigureOut">
               <a:rPr lang="en-US" smtClean="0"/>
-              <a:t>18-Jan-19</a:t>
+              <a:t>21-Jan-19</a:t>
             </a:fld>
             <a:endParaRPr lang="en-US"/>
           </a:p>
@@ -8206,7 +8206,7 @@
           <a:p>
             <a:fld id="{DA1144DE-210E-4C4E-83F9-0A40A9B37017}" type="datetimeFigureOut">
               <a:rPr lang="en-US" smtClean="0"/>
-              <a:t>18-Jan-19</a:t>
+              <a:t>21-Jan-19</a:t>
             </a:fld>
             <a:endParaRPr lang="en-US"/>
           </a:p>
@@ -8324,7 +8324,7 @@
           <a:p>
             <a:fld id="{DA1144DE-210E-4C4E-83F9-0A40A9B37017}" type="datetimeFigureOut">
               <a:rPr lang="en-US" smtClean="0"/>
-              <a:t>18-Jan-19</a:t>
+              <a:t>21-Jan-19</a:t>
             </a:fld>
             <a:endParaRPr lang="en-US"/>
           </a:p>
@@ -8419,7 +8419,7 @@
           <a:p>
             <a:fld id="{DA1144DE-210E-4C4E-83F9-0A40A9B37017}" type="datetimeFigureOut">
               <a:rPr lang="en-US" smtClean="0"/>
-              <a:t>18-Jan-19</a:t>
+              <a:t>21-Jan-19</a:t>
             </a:fld>
             <a:endParaRPr lang="en-US"/>
           </a:p>
@@ -8668,7 +8668,7 @@
           <a:p>
             <a:fld id="{DA1144DE-210E-4C4E-83F9-0A40A9B37017}" type="datetimeFigureOut">
               <a:rPr lang="en-US" smtClean="0"/>
-              <a:t>18-Jan-19</a:t>
+              <a:t>21-Jan-19</a:t>
             </a:fld>
             <a:endParaRPr lang="en-US"/>
           </a:p>
@@ -8948,7 +8948,7 @@
           <a:p>
             <a:fld id="{DA1144DE-210E-4C4E-83F9-0A40A9B37017}" type="datetimeFigureOut">
               <a:rPr lang="en-US" smtClean="0"/>
-              <a:t>18-Jan-19</a:t>
+              <a:t>21-Jan-19</a:t>
             </a:fld>
             <a:endParaRPr lang="en-US"/>
           </a:p>
@@ -12025,7 +12025,7 @@
           <a:p>
             <a:fld id="{DA1144DE-210E-4C4E-83F9-0A40A9B37017}" type="datetimeFigureOut">
               <a:rPr lang="en-US" smtClean="0"/>
-              <a:t>18-Jan-19</a:t>
+              <a:t>21-Jan-19</a:t>
             </a:fld>
             <a:endParaRPr lang="en-US"/>
           </a:p>
@@ -13281,7 +13281,7 @@
         </p:spPr>
         <p:txBody>
           <a:bodyPr>
-            <a:normAutofit/>
+            <a:normAutofit fontScale="92500" lnSpcReduction="20000"/>
           </a:bodyPr>
           <a:lstStyle/>
           <a:p>
@@ -13390,6 +13390,40 @@
             <a:r>
               <a:rPr lang="en-US" sz="4000" dirty="0" err="1"/>
               <a:t>imod</a:t>
+            </a:r>
+            <a:r>
+              <a:rPr lang="en-US" sz="4000" dirty="0"/>
+              <a:t>?</a:t>
+            </a:r>
+          </a:p>
+          <a:p>
+            <a:r>
+              <a:rPr lang="en-US" sz="4000" dirty="0" err="1"/>
+              <a:t>Hvad</a:t>
+            </a:r>
+            <a:r>
+              <a:rPr lang="en-US" sz="4000" dirty="0"/>
+              <a:t> </a:t>
+            </a:r>
+            <a:r>
+              <a:rPr lang="en-US" sz="4000" dirty="0" err="1"/>
+              <a:t>er</a:t>
+            </a:r>
+            <a:r>
+              <a:rPr lang="en-US" sz="4000" dirty="0"/>
+              <a:t> </a:t>
+            </a:r>
+            <a:r>
+              <a:rPr lang="en-US" sz="4000" dirty="0" err="1"/>
+              <a:t>vores</a:t>
+            </a:r>
+            <a:r>
+              <a:rPr lang="en-US" sz="4000" dirty="0"/>
+              <a:t> </a:t>
+            </a:r>
+            <a:r>
+              <a:rPr lang="en-US" sz="4000" dirty="0" err="1"/>
+              <a:t>erfaringer</a:t>
             </a:r>
             <a:r>
               <a:rPr lang="en-US" sz="4000" dirty="0"/>
@@ -13495,7 +13529,7 @@
         <p:spPr>
           <a:xfrm>
             <a:off x="1571747" y="1269507"/>
-            <a:ext cx="9045329" cy="5309420"/>
+            <a:ext cx="9045329" cy="5309419"/>
           </a:xfrm>
         </p:spPr>
       </p:pic>
@@ -13897,7 +13931,7 @@
         </p:spPr>
         <p:txBody>
           <a:bodyPr>
-            <a:normAutofit fontScale="92500"/>
+            <a:normAutofit fontScale="92500" lnSpcReduction="20000"/>
           </a:bodyPr>
           <a:lstStyle/>
           <a:p>
@@ -14006,6 +14040,40 @@
             <a:r>
               <a:rPr lang="en-US" sz="4000" dirty="0" err="1"/>
               <a:t>andet</a:t>
+            </a:r>
+            <a:r>
+              <a:rPr lang="en-US" sz="4000" dirty="0"/>
+              <a:t>?</a:t>
+            </a:r>
+          </a:p>
+          <a:p>
+            <a:r>
+              <a:rPr lang="en-US" sz="4000" dirty="0" err="1"/>
+              <a:t>Hvilke</a:t>
+            </a:r>
+            <a:r>
+              <a:rPr lang="en-US" sz="4000" dirty="0"/>
+              <a:t> </a:t>
+            </a:r>
+            <a:r>
+              <a:rPr lang="en-US" sz="4000" dirty="0" err="1"/>
+              <a:t>erfaringer</a:t>
+            </a:r>
+            <a:r>
+              <a:rPr lang="en-US" sz="4000" dirty="0"/>
+              <a:t> har vi </a:t>
+            </a:r>
+            <a:r>
+              <a:rPr lang="en-US" sz="4000" dirty="0" err="1"/>
+              <a:t>gjort</a:t>
+            </a:r>
+            <a:r>
+              <a:rPr lang="en-US" sz="4000" dirty="0"/>
+              <a:t> </a:t>
+            </a:r>
+            <a:r>
+              <a:rPr lang="en-US" sz="4000" dirty="0" err="1"/>
+              <a:t>os</a:t>
             </a:r>
             <a:r>
               <a:rPr lang="en-US" sz="4000" dirty="0"/>

--- a/Eksamen powerpoint.pptx
+++ b/Eksamen powerpoint.pptx
@@ -13528,8 +13528,8 @@
         </p:blipFill>
         <p:spPr>
           <a:xfrm>
-            <a:off x="1571747" y="1269507"/>
-            <a:ext cx="9045329" cy="5309419"/>
+            <a:off x="1580192" y="1269506"/>
+            <a:ext cx="9028438" cy="5309420"/>
           </a:xfrm>
         </p:spPr>
       </p:pic>
